--- a/presentacion/slides.pptx
+++ b/presentacion/slides.pptx
@@ -5,7 +5,7 @@
     <p:sldMasterId id="2147483648" r:id="rId1"/>
   </p:sldMasterIdLst>
   <p:notesMasterIdLst>
-    <p:notesMasterId r:id="rId9"/>
+    <p:notesMasterId r:id="rId10"/>
   </p:notesMasterIdLst>
   <p:sldIdLst>
     <p:sldId id="256" r:id="rId2"/>
@@ -15,6 +15,7 @@
     <p:sldId id="284" r:id="rId6"/>
     <p:sldId id="285" r:id="rId7"/>
     <p:sldId id="283" r:id="rId8"/>
+    <p:sldId id="292" r:id="rId9"/>
   </p:sldIdLst>
   <p:sldSz cx="12192000" cy="6858000"/>
   <p:notesSz cx="6858000" cy="9144000"/>
@@ -113,6 +114,11 @@
       </a:defRPr>
     </a:lvl9pPr>
   </p:defaultTextStyle>
+  <p:extLst>
+    <p:ext uri="{EFAFB233-063F-42B5-8137-9DF3F51BA10A}">
+      <p15:sldGuideLst xmlns:p15="http://schemas.microsoft.com/office/powerpoint/2012/main"/>
+    </p:ext>
+  </p:extLst>
 </p:presentation>
 </file>
 
@@ -7246,6 +7252,112 @@
         </p:spPr>
       </p:pic>
     </p:spTree>
+  </p:cSld>
+  <p:clrMapOvr>
+    <a:masterClrMapping/>
+  </p:clrMapOvr>
+</p:sld>
+</file>
+
+<file path=ppt/slides/slide8.xml><?xml version="1.0" encoding="utf-8"?>
+<p:sld xmlns:a="http://schemas.openxmlformats.org/drawingml/2006/main" xmlns:r="http://schemas.openxmlformats.org/officeDocument/2006/relationships" xmlns:p="http://schemas.openxmlformats.org/presentationml/2006/main">
+  <p:cSld>
+    <p:bg>
+      <p:bgPr>
+        <a:solidFill>
+          <a:srgbClr val="522CD5"/>
+        </a:solidFill>
+        <a:effectLst/>
+      </p:bgPr>
+    </p:bg>
+    <p:spTree>
+      <p:nvGrpSpPr>
+        <p:cNvPr id="1" name=""/>
+        <p:cNvGrpSpPr/>
+        <p:nvPr/>
+      </p:nvGrpSpPr>
+      <p:grpSpPr>
+        <a:xfrm>
+          <a:off x="0" y="0"/>
+          <a:ext cx="0" cy="0"/>
+          <a:chOff x="0" y="0"/>
+          <a:chExt cx="0" cy="0"/>
+        </a:xfrm>
+      </p:grpSpPr>
+      <p:sp>
+        <p:nvSpPr>
+          <p:cNvPr id="2" name="Title 1">
+            <a:extLst>
+              <a:ext uri="{FF2B5EF4-FFF2-40B4-BE49-F238E27FC236}">
+                <a16:creationId xmlns:a16="http://schemas.microsoft.com/office/drawing/2014/main" id="{029FE3FC-D1E2-764E-8278-BB37780282A6}"/>
+              </a:ext>
+            </a:extLst>
+          </p:cNvPr>
+          <p:cNvSpPr>
+            <a:spLocks noGrp="1"/>
+          </p:cNvSpPr>
+          <p:nvPr>
+            <p:ph type="title"/>
+          </p:nvPr>
+        </p:nvSpPr>
+        <p:spPr/>
+        <p:txBody>
+          <a:bodyPr/>
+          <a:lstStyle/>
+          <a:p>
+            <a:r>
+              <a:rPr lang="es-MX" dirty="0">
+                <a:solidFill>
+                  <a:schemeClr val="bg1"/>
+                </a:solidFill>
+              </a:rPr>
+              <a:t>Gracias por su atención!</a:t>
+            </a:r>
+          </a:p>
+        </p:txBody>
+      </p:sp>
+      <p:pic>
+        <p:nvPicPr>
+          <p:cNvPr id="4" name="Graphic 3">
+            <a:extLst>
+              <a:ext uri="{FF2B5EF4-FFF2-40B4-BE49-F238E27FC236}">
+                <a16:creationId xmlns:a16="http://schemas.microsoft.com/office/drawing/2014/main" id="{92F3B251-7903-A84E-ADBD-87B131AF9AC7}"/>
+              </a:ext>
+            </a:extLst>
+          </p:cNvPr>
+          <p:cNvPicPr>
+            <a:picLocks noChangeAspect="1"/>
+          </p:cNvPicPr>
+          <p:nvPr/>
+        </p:nvPicPr>
+        <p:blipFill>
+          <a:blip r:embed="rId2">
+            <a:extLst>
+              <a:ext uri="{96DAC541-7B7A-43D3-8B79-37D633B846F1}">
+                <asvg:svgBlip xmlns:asvg="http://schemas.microsoft.com/office/drawing/2016/SVG/main" r:embed="rId3"/>
+              </a:ext>
+            </a:extLst>
+          </a:blip>
+          <a:stretch>
+            <a:fillRect/>
+          </a:stretch>
+        </p:blipFill>
+        <p:spPr>
+          <a:xfrm>
+            <a:off x="9378950" y="3803650"/>
+            <a:ext cx="2120900" cy="2286000"/>
+          </a:xfrm>
+          <a:prstGeom prst="rect">
+            <a:avLst/>
+          </a:prstGeom>
+        </p:spPr>
+      </p:pic>
+    </p:spTree>
+    <p:extLst>
+      <p:ext uri="{BB962C8B-B14F-4D97-AF65-F5344CB8AC3E}">
+        <p14:creationId xmlns:p14="http://schemas.microsoft.com/office/powerpoint/2010/main" val="1908825727"/>
+      </p:ext>
+    </p:extLst>
   </p:cSld>
   <p:clrMapOvr>
     <a:masterClrMapping/>
